--- a/image/RCS/界面.pptx
+++ b/image/RCS/界面.pptx
@@ -288,7 +288,7 @@
           <a:p>
             <a:fld id="{530820CF-B880-4189-942D-D702A7CBA730}" type="datetimeFigureOut">
               <a:rPr lang="zh-CN" altLang="en-US" smtClean="0"/>
-              <a:t>2021/12/27</a:t>
+              <a:t>2022/6/8</a:t>
             </a:fld>
             <a:endParaRPr lang="zh-CN" altLang="en-US"/>
           </a:p>
@@ -453,7 +453,7 @@
           <a:p>
             <a:fld id="{530820CF-B880-4189-942D-D702A7CBA730}" type="datetimeFigureOut">
               <a:rPr lang="zh-CN" altLang="en-US" smtClean="0"/>
-              <a:t>2021/12/27</a:t>
+              <a:t>2022/6/8</a:t>
             </a:fld>
             <a:endParaRPr lang="zh-CN" altLang="en-US"/>
           </a:p>
@@ -628,7 +628,7 @@
           <a:p>
             <a:fld id="{530820CF-B880-4189-942D-D702A7CBA730}" type="datetimeFigureOut">
               <a:rPr lang="zh-CN" altLang="en-US" smtClean="0"/>
-              <a:t>2021/12/27</a:t>
+              <a:t>2022/6/8</a:t>
             </a:fld>
             <a:endParaRPr lang="zh-CN" altLang="en-US"/>
           </a:p>
@@ -793,7 +793,7 @@
           <a:p>
             <a:fld id="{530820CF-B880-4189-942D-D702A7CBA730}" type="datetimeFigureOut">
               <a:rPr lang="zh-CN" altLang="en-US" smtClean="0"/>
-              <a:t>2021/12/27</a:t>
+              <a:t>2022/6/8</a:t>
             </a:fld>
             <a:endParaRPr lang="zh-CN" altLang="en-US"/>
           </a:p>
@@ -1034,7 +1034,7 @@
           <a:p>
             <a:fld id="{530820CF-B880-4189-942D-D702A7CBA730}" type="datetimeFigureOut">
               <a:rPr lang="zh-CN" altLang="en-US" smtClean="0"/>
-              <a:t>2021/12/27</a:t>
+              <a:t>2022/6/8</a:t>
             </a:fld>
             <a:endParaRPr lang="zh-CN" altLang="en-US"/>
           </a:p>
@@ -1317,7 +1317,7 @@
           <a:p>
             <a:fld id="{530820CF-B880-4189-942D-D702A7CBA730}" type="datetimeFigureOut">
               <a:rPr lang="zh-CN" altLang="en-US" smtClean="0"/>
-              <a:t>2021/12/27</a:t>
+              <a:t>2022/6/8</a:t>
             </a:fld>
             <a:endParaRPr lang="zh-CN" altLang="en-US"/>
           </a:p>
@@ -1734,7 +1734,7 @@
           <a:p>
             <a:fld id="{530820CF-B880-4189-942D-D702A7CBA730}" type="datetimeFigureOut">
               <a:rPr lang="zh-CN" altLang="en-US" smtClean="0"/>
-              <a:t>2021/12/27</a:t>
+              <a:t>2022/6/8</a:t>
             </a:fld>
             <a:endParaRPr lang="zh-CN" altLang="en-US"/>
           </a:p>
@@ -1847,7 +1847,7 @@
           <a:p>
             <a:fld id="{530820CF-B880-4189-942D-D702A7CBA730}" type="datetimeFigureOut">
               <a:rPr lang="zh-CN" altLang="en-US" smtClean="0"/>
-              <a:t>2021/12/27</a:t>
+              <a:t>2022/6/8</a:t>
             </a:fld>
             <a:endParaRPr lang="zh-CN" altLang="en-US"/>
           </a:p>
@@ -1937,7 +1937,7 @@
           <a:p>
             <a:fld id="{530820CF-B880-4189-942D-D702A7CBA730}" type="datetimeFigureOut">
               <a:rPr lang="zh-CN" altLang="en-US" smtClean="0"/>
-              <a:t>2021/12/27</a:t>
+              <a:t>2022/6/8</a:t>
             </a:fld>
             <a:endParaRPr lang="zh-CN" altLang="en-US"/>
           </a:p>
@@ -2209,7 +2209,7 @@
           <a:p>
             <a:fld id="{530820CF-B880-4189-942D-D702A7CBA730}" type="datetimeFigureOut">
               <a:rPr lang="zh-CN" altLang="en-US" smtClean="0"/>
-              <a:t>2021/12/27</a:t>
+              <a:t>2022/6/8</a:t>
             </a:fld>
             <a:endParaRPr lang="zh-CN" altLang="en-US"/>
           </a:p>
@@ -2457,7 +2457,7 @@
           <a:p>
             <a:fld id="{530820CF-B880-4189-942D-D702A7CBA730}" type="datetimeFigureOut">
               <a:rPr lang="zh-CN" altLang="en-US" smtClean="0"/>
-              <a:t>2021/12/27</a:t>
+              <a:t>2022/6/8</a:t>
             </a:fld>
             <a:endParaRPr lang="zh-CN" altLang="en-US"/>
           </a:p>
@@ -2665,7 +2665,7 @@
           <a:p>
             <a:fld id="{530820CF-B880-4189-942D-D702A7CBA730}" type="datetimeFigureOut">
               <a:rPr lang="zh-CN" altLang="en-US" smtClean="0"/>
-              <a:t>2021/12/27</a:t>
+              <a:t>2022/6/8</a:t>
             </a:fld>
             <a:endParaRPr lang="zh-CN" altLang="en-US"/>
           </a:p>
@@ -3037,7 +3037,7 @@
       </p:grpSpPr>
       <p:pic>
         <p:nvPicPr>
-          <p:cNvPr id="3" name="图片 2"/>
+          <p:cNvPr id="4" name="图片 3"/>
           <p:cNvPicPr>
             <a:picLocks noChangeAspect="1"/>
           </p:cNvPicPr>
@@ -3057,8 +3057,8 @@
         </p:blipFill>
         <p:spPr>
           <a:xfrm>
-            <a:off x="4499992" y="1720270"/>
-            <a:ext cx="2914800" cy="7048862"/>
+            <a:off x="4601023" y="1742496"/>
+            <a:ext cx="2851297" cy="7004410"/>
           </a:xfrm>
           <a:prstGeom prst="rect">
             <a:avLst/>
@@ -3314,11 +3314,6 @@
               </a:rPr>
               <a:t>因变量列数</a:t>
             </a:r>
-            <a:endParaRPr lang="zh-CN" altLang="en-US" sz="1200" dirty="0">
-              <a:solidFill>
-                <a:srgbClr val="FF0000"/>
-              </a:solidFill>
-            </a:endParaRPr>
           </a:p>
         </p:txBody>
       </p:sp>
